--- a/Details of Road Accident Dashboard And Heighlight.pptx
+++ b/Details of Road Accident Dashboard And Heighlight.pptx
@@ -9,6 +9,7 @@
     <p:sldId id="257" r:id="rId3"/>
     <p:sldId id="258" r:id="rId4"/>
     <p:sldId id="259" r:id="rId5"/>
+    <p:sldId id="260" r:id="rId6"/>
   </p:sldIdLst>
   <p:sldSz cx="12192000" cy="6858000"/>
   <p:notesSz cx="6858000" cy="9144000"/>
@@ -14284,6 +14285,100 @@
 </p:sld>
 </file>
 
+<file path=ppt/slides/slide5.xml><?xml version="1.0" encoding="utf-8"?>
+<p:sld xmlns:a="http://schemas.openxmlformats.org/drawingml/2006/main" xmlns:r="http://schemas.openxmlformats.org/officeDocument/2006/relationships" xmlns:p="http://schemas.openxmlformats.org/presentationml/2006/main">
+  <p:cSld>
+    <p:bg>
+      <p:bgPr>
+        <a:gradFill>
+          <a:gsLst>
+            <a:gs pos="100000">
+              <a:schemeClr val="accent3">
+                <a:lumMod val="5000"/>
+                <a:lumOff val="95000"/>
+              </a:schemeClr>
+            </a:gs>
+            <a:gs pos="74000">
+              <a:schemeClr val="accent3">
+                <a:lumMod val="45000"/>
+                <a:lumOff val="55000"/>
+              </a:schemeClr>
+            </a:gs>
+            <a:gs pos="83000">
+              <a:schemeClr val="accent3">
+                <a:lumMod val="45000"/>
+                <a:lumOff val="55000"/>
+              </a:schemeClr>
+            </a:gs>
+            <a:gs pos="100000">
+              <a:schemeClr val="accent3">
+                <a:lumMod val="30000"/>
+                <a:lumOff val="70000"/>
+              </a:schemeClr>
+            </a:gs>
+          </a:gsLst>
+          <a:lin ang="5400000" scaled="1"/>
+        </a:gradFill>
+        <a:effectLst/>
+      </p:bgPr>
+    </p:bg>
+    <p:spTree>
+      <p:nvGrpSpPr>
+        <p:cNvPr id="1" name=""/>
+        <p:cNvGrpSpPr/>
+        <p:nvPr/>
+      </p:nvGrpSpPr>
+      <p:grpSpPr>
+        <a:xfrm>
+          <a:off x="0" y="0"/>
+          <a:ext cx="0" cy="0"/>
+          <a:chOff x="0" y="0"/>
+          <a:chExt cx="0" cy="0"/>
+        </a:xfrm>
+      </p:grpSpPr>
+      <p:pic>
+        <p:nvPicPr>
+          <p:cNvPr id="3" name="Picture 2">
+            <a:extLst>
+              <a:ext uri="{FF2B5EF4-FFF2-40B4-BE49-F238E27FC236}">
+                <a16:creationId xmlns:a16="http://schemas.microsoft.com/office/drawing/2014/main" id="{86452E5E-41AD-3992-1A9C-CF655FA21CAC}"/>
+              </a:ext>
+            </a:extLst>
+          </p:cNvPr>
+          <p:cNvPicPr>
+            <a:picLocks noChangeAspect="1"/>
+          </p:cNvPicPr>
+          <p:nvPr/>
+        </p:nvPicPr>
+        <p:blipFill>
+          <a:blip r:embed="rId3"/>
+          <a:stretch>
+            <a:fillRect/>
+          </a:stretch>
+        </p:blipFill>
+        <p:spPr>
+          <a:xfrm>
+            <a:off x="265471" y="341168"/>
+            <a:ext cx="11661058" cy="5617180"/>
+          </a:xfrm>
+          <a:prstGeom prst="rect">
+            <a:avLst/>
+          </a:prstGeom>
+        </p:spPr>
+      </p:pic>
+    </p:spTree>
+    <p:extLst>
+      <p:ext uri="{BB962C8B-B14F-4D97-AF65-F5344CB8AC3E}">
+        <p14:creationId xmlns:p14="http://schemas.microsoft.com/office/powerpoint/2010/main" val="531473319"/>
+      </p:ext>
+    </p:extLst>
+  </p:cSld>
+  <p:clrMapOvr>
+    <a:overrideClrMapping bg1="lt1" tx1="dk1" bg2="lt2" tx2="dk2" accent1="accent1" accent2="accent2" accent3="accent3" accent4="accent4" accent5="accent5" accent6="accent6" hlink="hlink" folHlink="folHlink"/>
+  </p:clrMapOvr>
+</p:sld>
+</file>
+
 <file path=ppt/theme/theme1.xml><?xml version="1.0" encoding="utf-8"?>
 <a:theme xmlns:a="http://schemas.openxmlformats.org/drawingml/2006/main" name="Ion Boardroom">
   <a:themeElements>
@@ -14589,4 +14684,47 @@
     </a:folHlink>
   </a:clrScheme>
 </a:themeOverride>
+</file>
+
+<file path=ppt/theme/themeOverride2.xml><?xml version="1.0" encoding="utf-8"?>
+<a:themeOverride xmlns:a="http://schemas.openxmlformats.org/drawingml/2006/main">
+  <a:clrScheme name="Ion Boardroom">
+    <a:dk1>
+      <a:sysClr val="windowText" lastClr="000000"/>
+    </a:dk1>
+    <a:lt1>
+      <a:sysClr val="window" lastClr="FFFFFF"/>
+    </a:lt1>
+    <a:dk2>
+      <a:srgbClr val="3B3059"/>
+    </a:dk2>
+    <a:lt2>
+      <a:srgbClr val="EBEBEB"/>
+    </a:lt2>
+    <a:accent1>
+      <a:srgbClr val="B31166"/>
+    </a:accent1>
+    <a:accent2>
+      <a:srgbClr val="E33D6F"/>
+    </a:accent2>
+    <a:accent3>
+      <a:srgbClr val="E45F3C"/>
+    </a:accent3>
+    <a:accent4>
+      <a:srgbClr val="E9943A"/>
+    </a:accent4>
+    <a:accent5>
+      <a:srgbClr val="9B6BF2"/>
+    </a:accent5>
+    <a:accent6>
+      <a:srgbClr val="D53DD0"/>
+    </a:accent6>
+    <a:hlink>
+      <a:srgbClr val="8F8F8F"/>
+    </a:hlink>
+    <a:folHlink>
+      <a:srgbClr val="A5A5A5"/>
+    </a:folHlink>
+  </a:clrScheme>
+</a:themeOverride>
 </file>